--- a/PPT素材/ppt.pptx
+++ b/PPT素材/ppt.pptx
@@ -9,6 +9,9 @@
     <p:sldId id="260" r:id="rId3"/>
     <p:sldId id="259" r:id="rId4"/>
     <p:sldId id="258" r:id="rId5"/>
+    <p:sldId id="261" r:id="rId6"/>
+    <p:sldId id="262" r:id="rId7"/>
+    <p:sldId id="263" r:id="rId8"/>
   </p:sldIdLst>
   <p:sldSz cx="12192000" cy="6858000"/>
   <p:notesSz cx="6858000" cy="9144000"/>
@@ -107,6 +110,11 @@
       </a:defRPr>
     </a:lvl9pPr>
   </p:defaultTextStyle>
+  <p:extLst>
+    <p:ext uri="{EFAFB233-063F-42B5-8137-9DF3F51BA10A}">
+      <p15:sldGuideLst xmlns:p15="http://schemas.microsoft.com/office/powerpoint/2012/main"/>
+    </p:ext>
+  </p:extLst>
 </p:presentation>
 </file>
 
@@ -3650,6 +3658,551 @@
 </p:sld>
 </file>
 
+<file path=ppt/slides/slide5.xml><?xml version="1.0" encoding="utf-8"?>
+<p:sld xmlns:a="http://schemas.openxmlformats.org/drawingml/2006/main" xmlns:r="http://schemas.openxmlformats.org/officeDocument/2006/relationships" xmlns:p="http://schemas.openxmlformats.org/presentationml/2006/main">
+  <p:cSld>
+    <p:spTree>
+      <p:nvGrpSpPr>
+        <p:cNvPr id="1" name=""/>
+        <p:cNvGrpSpPr/>
+        <p:nvPr/>
+      </p:nvGrpSpPr>
+      <p:grpSpPr>
+        <a:xfrm>
+          <a:off x="0" y="0"/>
+          <a:ext cx="0" cy="0"/>
+          <a:chOff x="0" y="0"/>
+          <a:chExt cx="0" cy="0"/>
+        </a:xfrm>
+      </p:grpSpPr>
+      <p:sp>
+        <p:nvSpPr>
+          <p:cNvPr id="2" name="标题 1"/>
+          <p:cNvSpPr>
+            <a:spLocks noGrp="1"/>
+          </p:cNvSpPr>
+          <p:nvPr>
+            <p:ph type="title"/>
+          </p:nvPr>
+        </p:nvSpPr>
+        <p:spPr/>
+        <p:txBody>
+          <a:bodyPr/>
+          <a:lstStyle/>
+          <a:p>
+            <a:endParaRPr lang="zh-CN" altLang="en-US"/>
+          </a:p>
+        </p:txBody>
+      </p:sp>
+      <p:pic>
+        <p:nvPicPr>
+          <p:cNvPr id="4" name="内容占位符 3"/>
+          <p:cNvPicPr>
+            <a:picLocks noGrp="1" noChangeAspect="1"/>
+          </p:cNvPicPr>
+          <p:nvPr>
+            <p:ph idx="1"/>
+          </p:nvPr>
+        </p:nvPicPr>
+        <p:blipFill>
+          <a:blip r:embed="rId2">
+            <a:extLst>
+              <a:ext uri="{28A0092B-C50C-407E-A947-70E740481C1C}">
+                <a14:useLocalDpi xmlns:a14="http://schemas.microsoft.com/office/drawing/2010/main" val="0"/>
+              </a:ext>
+            </a:extLst>
+          </a:blip>
+          <a:stretch>
+            <a:fillRect/>
+          </a:stretch>
+        </p:blipFill>
+        <p:spPr>
+          <a:xfrm>
+            <a:off x="2008363" y="619125"/>
+            <a:ext cx="6117874" cy="4351338"/>
+          </a:xfrm>
+        </p:spPr>
+      </p:pic>
+    </p:spTree>
+    <p:extLst>
+      <p:ext uri="{BB962C8B-B14F-4D97-AF65-F5344CB8AC3E}">
+        <p14:creationId xmlns:p14="http://schemas.microsoft.com/office/powerpoint/2010/main" val="2819611757"/>
+      </p:ext>
+    </p:extLst>
+  </p:cSld>
+  <p:clrMapOvr>
+    <a:masterClrMapping/>
+  </p:clrMapOvr>
+</p:sld>
+</file>
+
+<file path=ppt/slides/slide6.xml><?xml version="1.0" encoding="utf-8"?>
+<p:sld xmlns:a="http://schemas.openxmlformats.org/drawingml/2006/main" xmlns:r="http://schemas.openxmlformats.org/officeDocument/2006/relationships" xmlns:p="http://schemas.openxmlformats.org/presentationml/2006/main">
+  <p:cSld>
+    <p:spTree>
+      <p:nvGrpSpPr>
+        <p:cNvPr id="1" name=""/>
+        <p:cNvGrpSpPr/>
+        <p:nvPr/>
+      </p:nvGrpSpPr>
+      <p:grpSpPr>
+        <a:xfrm>
+          <a:off x="0" y="0"/>
+          <a:ext cx="0" cy="0"/>
+          <a:chOff x="0" y="0"/>
+          <a:chExt cx="0" cy="0"/>
+        </a:xfrm>
+      </p:grpSpPr>
+      <p:sp>
+        <p:nvSpPr>
+          <p:cNvPr id="2" name="标题 1"/>
+          <p:cNvSpPr>
+            <a:spLocks noGrp="1"/>
+          </p:cNvSpPr>
+          <p:nvPr>
+            <p:ph type="title"/>
+          </p:nvPr>
+        </p:nvSpPr>
+        <p:spPr>
+          <a:xfrm>
+            <a:off x="8864600" y="1472406"/>
+            <a:ext cx="791029" cy="4272756"/>
+          </a:xfrm>
+        </p:spPr>
+        <p:txBody>
+          <a:bodyPr>
+            <a:noAutofit/>
+          </a:bodyPr>
+          <a:lstStyle/>
+          <a:p>
+            <a:r>
+              <a:rPr lang="en-CA" altLang="zh-CN" sz="1100" dirty="0"/>
+              <a:t>CXCR4</a:t>
+            </a:r>
+            <a:br>
+              <a:rPr lang="en-CA" altLang="zh-CN" sz="1100" dirty="0"/>
+            </a:br>
+            <a:r>
+              <a:rPr lang="en-CA" altLang="zh-CN" sz="1100" dirty="0"/>
+              <a:t>GNAI2</a:t>
+            </a:r>
+            <a:br>
+              <a:rPr lang="en-CA" altLang="zh-CN" sz="1100" dirty="0"/>
+            </a:br>
+            <a:r>
+              <a:rPr lang="en-CA" altLang="zh-CN" sz="1100" dirty="0"/>
+              <a:t>CCL20</a:t>
+            </a:r>
+            <a:br>
+              <a:rPr lang="en-CA" altLang="zh-CN" sz="1100" dirty="0"/>
+            </a:br>
+            <a:r>
+              <a:rPr lang="en-CA" altLang="zh-CN" sz="1100" dirty="0"/>
+              <a:t>GNG11</a:t>
+            </a:r>
+            <a:br>
+              <a:rPr lang="en-CA" altLang="zh-CN" sz="1100" dirty="0"/>
+            </a:br>
+            <a:r>
+              <a:rPr lang="en-CA" altLang="zh-CN" sz="1100" dirty="0"/>
+              <a:t>GNG2</a:t>
+            </a:r>
+            <a:br>
+              <a:rPr lang="en-CA" altLang="zh-CN" sz="1100" dirty="0"/>
+            </a:br>
+            <a:r>
+              <a:rPr lang="en-CA" altLang="zh-CN" sz="1100" dirty="0"/>
+              <a:t>CCL27</a:t>
+            </a:r>
+            <a:br>
+              <a:rPr lang="en-CA" altLang="zh-CN" sz="1100" dirty="0"/>
+            </a:br>
+            <a:r>
+              <a:rPr lang="en-CA" altLang="zh-CN" sz="1100" dirty="0"/>
+              <a:t>CCL21</a:t>
+            </a:r>
+            <a:br>
+              <a:rPr lang="en-CA" altLang="zh-CN" sz="1100" dirty="0"/>
+            </a:br>
+            <a:r>
+              <a:rPr lang="en-CA" altLang="zh-CN" sz="1100" dirty="0"/>
+              <a:t>CCL19</a:t>
+            </a:r>
+            <a:br>
+              <a:rPr lang="en-CA" altLang="zh-CN" sz="1100" dirty="0"/>
+            </a:br>
+            <a:r>
+              <a:rPr lang="en-CA" altLang="zh-CN" sz="1100" dirty="0"/>
+              <a:t>CXCR7</a:t>
+            </a:r>
+            <a:br>
+              <a:rPr lang="en-CA" altLang="zh-CN" sz="1100" dirty="0"/>
+            </a:br>
+            <a:r>
+              <a:rPr lang="en-CA" altLang="zh-CN" sz="1100" dirty="0"/>
+              <a:t>ADCY3</a:t>
+            </a:r>
+            <a:br>
+              <a:rPr lang="en-CA" altLang="zh-CN" sz="1100" dirty="0"/>
+            </a:br>
+            <a:r>
+              <a:rPr lang="en-CA" altLang="zh-CN" sz="1100" dirty="0"/>
+              <a:t>ADCY4</a:t>
+            </a:r>
+            <a:br>
+              <a:rPr lang="en-CA" altLang="zh-CN" sz="1100" dirty="0"/>
+            </a:br>
+            <a:r>
+              <a:rPr lang="en-CA" altLang="zh-CN" sz="1100" dirty="0"/>
+              <a:t>CXCL12</a:t>
+            </a:r>
+            <a:br>
+              <a:rPr lang="en-CA" altLang="zh-CN" sz="1100" dirty="0"/>
+            </a:br>
+            <a:r>
+              <a:rPr lang="en-CA" altLang="zh-CN" sz="1100" dirty="0"/>
+              <a:t>CCL5</a:t>
+            </a:r>
+            <a:br>
+              <a:rPr lang="en-CA" altLang="zh-CN" sz="1100" dirty="0"/>
+            </a:br>
+            <a:r>
+              <a:rPr lang="en-CA" altLang="zh-CN" sz="1100" dirty="0"/>
+              <a:t>CCL2</a:t>
+            </a:r>
+            <a:br>
+              <a:rPr lang="en-CA" altLang="zh-CN" sz="1100" dirty="0"/>
+            </a:br>
+            <a:r>
+              <a:rPr lang="en-CA" altLang="zh-CN" sz="1100" dirty="0"/>
+              <a:t>ICAM1</a:t>
+            </a:r>
+            <a:br>
+              <a:rPr lang="en-CA" altLang="zh-CN" sz="1100" dirty="0"/>
+            </a:br>
+            <a:r>
+              <a:rPr lang="en-CA" altLang="zh-CN" sz="1100" dirty="0"/>
+              <a:t>VCAM1</a:t>
+            </a:r>
+            <a:br>
+              <a:rPr lang="en-CA" altLang="zh-CN" sz="1100" dirty="0"/>
+            </a:br>
+            <a:r>
+              <a:rPr lang="en-CA" altLang="zh-CN" sz="1100" dirty="0"/>
+              <a:t>GBP1</a:t>
+            </a:r>
+            <a:br>
+              <a:rPr lang="en-CA" altLang="zh-CN" sz="1100" dirty="0"/>
+            </a:br>
+            <a:r>
+              <a:rPr lang="en-CA" altLang="zh-CN" sz="1100" dirty="0"/>
+              <a:t>GBP4</a:t>
+            </a:r>
+            <a:br>
+              <a:rPr lang="en-CA" altLang="zh-CN" sz="1100" dirty="0"/>
+            </a:br>
+            <a:r>
+              <a:rPr lang="en-CA" altLang="zh-CN" sz="1100" dirty="0"/>
+              <a:t>IRF9</a:t>
+            </a:r>
+            <a:br>
+              <a:rPr lang="en-CA" altLang="zh-CN" sz="1100" dirty="0"/>
+            </a:br>
+            <a:r>
+              <a:rPr lang="en-CA" altLang="zh-CN" sz="1100" dirty="0"/>
+              <a:t>OAS3</a:t>
+            </a:r>
+            <a:br>
+              <a:rPr lang="en-CA" altLang="zh-CN" sz="1100" dirty="0"/>
+            </a:br>
+            <a:r>
+              <a:rPr lang="en-CA" altLang="zh-CN" sz="1100" dirty="0"/>
+              <a:t>PRKCD</a:t>
+            </a:r>
+            <a:br>
+              <a:rPr lang="en-CA" altLang="zh-CN" sz="1100" dirty="0"/>
+            </a:br>
+            <a:r>
+              <a:rPr lang="en-CA" altLang="zh-CN" sz="1100" dirty="0"/>
+              <a:t>MAPK3</a:t>
+            </a:r>
+            <a:br>
+              <a:rPr lang="en-CA" altLang="zh-CN" sz="1100" dirty="0"/>
+            </a:br>
+            <a:r>
+              <a:rPr lang="en-CA" altLang="zh-CN" sz="1100" dirty="0"/>
+              <a:t>IGF1</a:t>
+            </a:r>
+            <a:br>
+              <a:rPr lang="en-CA" altLang="zh-CN" sz="1100" dirty="0"/>
+            </a:br>
+            <a:r>
+              <a:rPr lang="en-CA" altLang="zh-CN" sz="1100" dirty="0"/>
+              <a:t>HGF</a:t>
+            </a:r>
+            <a:br>
+              <a:rPr lang="en-CA" altLang="zh-CN" sz="1100" dirty="0"/>
+            </a:br>
+            <a:endParaRPr lang="zh-CN" altLang="en-US" sz="1100" dirty="0"/>
+          </a:p>
+        </p:txBody>
+      </p:sp>
+      <p:pic>
+        <p:nvPicPr>
+          <p:cNvPr id="4" name="内容占位符 3"/>
+          <p:cNvPicPr>
+            <a:picLocks noGrp="1" noChangeAspect="1"/>
+          </p:cNvPicPr>
+          <p:nvPr>
+            <p:ph idx="1"/>
+          </p:nvPr>
+        </p:nvPicPr>
+        <p:blipFill>
+          <a:blip r:embed="rId2" cstate="print">
+            <a:extLst>
+              <a:ext uri="{28A0092B-C50C-407E-A947-70E740481C1C}">
+                <a14:useLocalDpi xmlns:a14="http://schemas.microsoft.com/office/drawing/2010/main" val="0"/>
+              </a:ext>
+            </a:extLst>
+          </a:blip>
+          <a:stretch>
+            <a:fillRect/>
+          </a:stretch>
+        </p:blipFill>
+        <p:spPr>
+          <a:xfrm>
+            <a:off x="700428" y="1434306"/>
+            <a:ext cx="6981144" cy="4351338"/>
+          </a:xfrm>
+        </p:spPr>
+      </p:pic>
+      <p:sp>
+        <p:nvSpPr>
+          <p:cNvPr id="5" name="文本框 4"/>
+          <p:cNvSpPr txBox="1"/>
+          <p:nvPr/>
+        </p:nvSpPr>
+        <p:spPr>
+          <a:xfrm>
+            <a:off x="8310881" y="1935481"/>
+            <a:ext cx="45719" cy="369332"/>
+          </a:xfrm>
+          <a:prstGeom prst="rect">
+            <a:avLst/>
+          </a:prstGeom>
+          <a:noFill/>
+        </p:spPr>
+        <p:txBody>
+          <a:bodyPr wrap="square" rtlCol="0">
+            <a:spAutoFit/>
+          </a:bodyPr>
+          <a:lstStyle/>
+          <a:p>
+            <a:endParaRPr lang="zh-CN" altLang="en-US" dirty="0"/>
+          </a:p>
+        </p:txBody>
+      </p:sp>
+    </p:spTree>
+    <p:extLst>
+      <p:ext uri="{BB962C8B-B14F-4D97-AF65-F5344CB8AC3E}">
+        <p14:creationId xmlns:p14="http://schemas.microsoft.com/office/powerpoint/2010/main" val="1218915342"/>
+      </p:ext>
+    </p:extLst>
+  </p:cSld>
+  <p:clrMapOvr>
+    <a:masterClrMapping/>
+  </p:clrMapOvr>
+</p:sld>
+</file>
+
+<file path=ppt/slides/slide7.xml><?xml version="1.0" encoding="utf-8"?>
+<p:sld xmlns:a="http://schemas.openxmlformats.org/drawingml/2006/main" xmlns:r="http://schemas.openxmlformats.org/officeDocument/2006/relationships" xmlns:p="http://schemas.openxmlformats.org/presentationml/2006/main">
+  <p:cSld>
+    <p:spTree>
+      <p:nvGrpSpPr>
+        <p:cNvPr id="1" name=""/>
+        <p:cNvGrpSpPr/>
+        <p:nvPr/>
+      </p:nvGrpSpPr>
+      <p:grpSpPr>
+        <a:xfrm>
+          <a:off x="0" y="0"/>
+          <a:ext cx="0" cy="0"/>
+          <a:chOff x="0" y="0"/>
+          <a:chExt cx="0" cy="0"/>
+        </a:xfrm>
+      </p:grpSpPr>
+      <p:sp>
+        <p:nvSpPr>
+          <p:cNvPr id="2" name="标题 1"/>
+          <p:cNvSpPr>
+            <a:spLocks noGrp="1"/>
+          </p:cNvSpPr>
+          <p:nvPr>
+            <p:ph type="title"/>
+          </p:nvPr>
+        </p:nvSpPr>
+        <p:spPr/>
+        <p:txBody>
+          <a:bodyPr/>
+          <a:lstStyle/>
+          <a:p>
+            <a:endParaRPr lang="zh-CN" altLang="en-US" dirty="0"/>
+          </a:p>
+        </p:txBody>
+      </p:sp>
+      <p:pic>
+        <p:nvPicPr>
+          <p:cNvPr id="4" name="内容占位符 3"/>
+          <p:cNvPicPr>
+            <a:picLocks noGrp="1" noChangeAspect="1"/>
+          </p:cNvPicPr>
+          <p:nvPr>
+            <p:ph idx="1"/>
+          </p:nvPr>
+        </p:nvPicPr>
+        <p:blipFill>
+          <a:blip r:embed="rId2" cstate="print">
+            <a:extLst>
+              <a:ext uri="{28A0092B-C50C-407E-A947-70E740481C1C}">
+                <a14:useLocalDpi xmlns:a14="http://schemas.microsoft.com/office/drawing/2010/main" val="0"/>
+              </a:ext>
+            </a:extLst>
+          </a:blip>
+          <a:stretch>
+            <a:fillRect/>
+          </a:stretch>
+        </p:blipFill>
+        <p:spPr>
+          <a:xfrm>
+            <a:off x="1092200" y="365125"/>
+            <a:ext cx="4287942" cy="6140252"/>
+          </a:xfrm>
+        </p:spPr>
+      </p:pic>
+      <p:sp>
+        <p:nvSpPr>
+          <p:cNvPr id="5" name="文本框 4"/>
+          <p:cNvSpPr txBox="1"/>
+          <p:nvPr/>
+        </p:nvSpPr>
+        <p:spPr>
+          <a:xfrm>
+            <a:off x="5380142" y="1981200"/>
+            <a:ext cx="7109639" cy="1477328"/>
+          </a:xfrm>
+          <a:prstGeom prst="rect">
+            <a:avLst/>
+          </a:prstGeom>
+          <a:noFill/>
+        </p:spPr>
+        <p:txBody>
+          <a:bodyPr wrap="none" rtlCol="0">
+            <a:spAutoFit/>
+          </a:bodyPr>
+          <a:lstStyle/>
+          <a:p>
+            <a:r>
+              <a:rPr lang="en-US" altLang="zh-CN" dirty="0" smtClean="0"/>
+              <a:t>GSEA</a:t>
+            </a:r>
+            <a:r>
+              <a:rPr lang="zh-CN" altLang="en-US" dirty="0" smtClean="0"/>
+              <a:t>通路分析。</a:t>
+            </a:r>
+            <a:endParaRPr lang="en-US" altLang="zh-CN" dirty="0" smtClean="0"/>
+          </a:p>
+          <a:p>
+            <a:r>
+              <a:rPr lang="en-US" altLang="zh-CN" dirty="0" smtClean="0"/>
+              <a:t>HN</a:t>
+            </a:r>
+            <a:r>
+              <a:rPr lang="zh-CN" altLang="en-US" dirty="0" smtClean="0"/>
+              <a:t>组下调的前</a:t>
+            </a:r>
+            <a:r>
+              <a:rPr lang="en-US" altLang="zh-CN" dirty="0" smtClean="0"/>
+              <a:t>200</a:t>
+            </a:r>
+            <a:r>
+              <a:rPr lang="zh-CN" altLang="en-US" dirty="0" smtClean="0"/>
+              <a:t>个基因。与节点基因无交集。</a:t>
+            </a:r>
+            <a:endParaRPr lang="en-US" altLang="zh-CN" dirty="0" smtClean="0"/>
+          </a:p>
+          <a:p>
+            <a:r>
+              <a:rPr lang="zh-CN" altLang="en-US" dirty="0" smtClean="0"/>
+              <a:t>可扩大</a:t>
+            </a:r>
+            <a:r>
+              <a:rPr lang="en-US" altLang="zh-CN" dirty="0" smtClean="0"/>
+              <a:t>GSEA</a:t>
+            </a:r>
+            <a:r>
+              <a:rPr lang="zh-CN" altLang="en-US" dirty="0" smtClean="0"/>
+              <a:t>范围，比如前</a:t>
+            </a:r>
+            <a:r>
+              <a:rPr lang="en-US" altLang="zh-CN" dirty="0" smtClean="0"/>
+              <a:t>500</a:t>
+            </a:r>
+            <a:r>
+              <a:rPr lang="zh-CN" altLang="en-US" dirty="0" smtClean="0"/>
+              <a:t>进行寻找。也可不与</a:t>
+            </a:r>
+            <a:r>
+              <a:rPr lang="en-US" altLang="zh-CN" dirty="0" smtClean="0"/>
+              <a:t>GSEA</a:t>
+            </a:r>
+            <a:endParaRPr lang="en-US" altLang="zh-CN" dirty="0"/>
+          </a:p>
+          <a:p>
+            <a:r>
+              <a:rPr lang="zh-CN" altLang="en-US" dirty="0" smtClean="0"/>
+              <a:t>分析进行比较，因为</a:t>
+            </a:r>
+            <a:r>
+              <a:rPr lang="en-US" altLang="zh-CN" dirty="0" err="1" smtClean="0"/>
+              <a:t>kegg</a:t>
+            </a:r>
+            <a:r>
+              <a:rPr lang="zh-CN" altLang="en-US" dirty="0" smtClean="0"/>
+              <a:t>通路分析和</a:t>
+            </a:r>
+            <a:r>
+              <a:rPr lang="en-US" altLang="zh-CN" dirty="0" err="1" smtClean="0"/>
+              <a:t>gsea</a:t>
+            </a:r>
+            <a:r>
+              <a:rPr lang="zh-CN" altLang="en-US" dirty="0" smtClean="0"/>
+              <a:t>通路分析原理不同，</a:t>
+            </a:r>
+            <a:endParaRPr lang="en-US" altLang="zh-CN" dirty="0" smtClean="0"/>
+          </a:p>
+          <a:p>
+            <a:r>
+              <a:rPr lang="zh-CN" altLang="en-US" smtClean="0"/>
+              <a:t>但二者都属于预测性质的分析，最终还是需要分子生物学实验验证。</a:t>
+            </a:r>
+            <a:endParaRPr lang="zh-CN" altLang="en-US" dirty="0"/>
+          </a:p>
+        </p:txBody>
+      </p:sp>
+    </p:spTree>
+    <p:extLst>
+      <p:ext uri="{BB962C8B-B14F-4D97-AF65-F5344CB8AC3E}">
+        <p14:creationId xmlns:p14="http://schemas.microsoft.com/office/powerpoint/2010/main" val="2047311205"/>
+      </p:ext>
+    </p:extLst>
+  </p:cSld>
+  <p:clrMapOvr>
+    <a:masterClrMapping/>
+  </p:clrMapOvr>
+</p:sld>
+</file>
+
 <file path=ppt/theme/theme1.xml><?xml version="1.0" encoding="utf-8"?>
 <a:theme xmlns:a="http://schemas.openxmlformats.org/drawingml/2006/main" name="Office 主题">
   <a:themeElements>
